--- a/From Dataframes to Graph.pptx
+++ b/From Dataframes to Graph.pptx
@@ -10,12 +10,12 @@
   <p:sldIdLst>
     <p:sldId id="256" r:id="rId2"/>
     <p:sldId id="260" r:id="rId3"/>
-    <p:sldId id="257" r:id="rId4"/>
-    <p:sldId id="266" r:id="rId5"/>
+    <p:sldId id="266" r:id="rId4"/>
+    <p:sldId id="257" r:id="rId5"/>
     <p:sldId id="258" r:id="rId6"/>
-    <p:sldId id="265" r:id="rId7"/>
-    <p:sldId id="264" r:id="rId8"/>
-    <p:sldId id="259" r:id="rId9"/>
+    <p:sldId id="259" r:id="rId7"/>
+    <p:sldId id="265" r:id="rId8"/>
+    <p:sldId id="264" r:id="rId9"/>
     <p:sldId id="261" r:id="rId10"/>
     <p:sldId id="262" r:id="rId11"/>
     <p:sldId id="263" r:id="rId12"/>
@@ -117,253 +117,12 @@
       </a:defRPr>
     </a:lvl9pPr>
   </p:defaultTextStyle>
+  <p:extLst>
+    <p:ext uri="{EFAFB233-063F-42B5-8137-9DF3F51BA10A}">
+      <p15:sldGuideLst xmlns:p15="http://schemas.microsoft.com/office/powerpoint/2012/main"/>
+    </p:ext>
+  </p:extLst>
 </p:presentation>
-</file>
-
-<file path=ppt/changesInfos/changesInfo1.xml><?xml version="1.0" encoding="utf-8"?>
-<pc:chgInfo xmlns:a="http://schemas.openxmlformats.org/drawingml/2006/main" xmlns:r="http://schemas.openxmlformats.org/officeDocument/2006/relationships" xmlns:ac="http://schemas.microsoft.com/office/drawing/2013/main/command" xmlns:pc="http://schemas.microsoft.com/office/powerpoint/2013/main/command">
-  <pc:docChgLst>
-    <pc:chgData name="Parker Erickson" userId="2d34a54251777d79" providerId="LiveId" clId="{CF08053C-B901-44F8-9B33-168E8253C788}"/>
-    <pc:docChg chg="undo custSel addSld modSld modMainMaster">
-      <pc:chgData name="Parker Erickson" userId="2d34a54251777d79" providerId="LiveId" clId="{CF08053C-B901-44F8-9B33-168E8253C788}" dt="2020-09-15T20:55:14.803" v="1139" actId="170"/>
-      <pc:docMkLst>
-        <pc:docMk/>
-      </pc:docMkLst>
-      <pc:sldChg chg="addSp modSp mod">
-        <pc:chgData name="Parker Erickson" userId="2d34a54251777d79" providerId="LiveId" clId="{CF08053C-B901-44F8-9B33-168E8253C788}" dt="2020-09-15T20:55:14.803" v="1139" actId="170"/>
-        <pc:sldMkLst>
-          <pc:docMk/>
-          <pc:sldMk cId="3583466750" sldId="256"/>
-        </pc:sldMkLst>
-        <pc:spChg chg="mod">
-          <ac:chgData name="Parker Erickson" userId="2d34a54251777d79" providerId="LiveId" clId="{CF08053C-B901-44F8-9B33-168E8253C788}" dt="2020-09-15T20:54:10.130" v="1130" actId="1076"/>
-          <ac:spMkLst>
-            <pc:docMk/>
-            <pc:sldMk cId="3583466750" sldId="256"/>
-            <ac:spMk id="2" creationId="{12863CC5-77AE-4C1D-A29D-6848E15E586E}"/>
-          </ac:spMkLst>
-        </pc:spChg>
-        <pc:spChg chg="mod">
-          <ac:chgData name="Parker Erickson" userId="2d34a54251777d79" providerId="LiveId" clId="{CF08053C-B901-44F8-9B33-168E8253C788}" dt="2020-09-15T20:54:19.654" v="1131" actId="1076"/>
-          <ac:spMkLst>
-            <pc:docMk/>
-            <pc:sldMk cId="3583466750" sldId="256"/>
-            <ac:spMk id="3" creationId="{E5724855-4F8A-4D82-BC4A-6D9A5D1FD9DF}"/>
-          </ac:spMkLst>
-        </pc:spChg>
-        <pc:spChg chg="add mod ord">
-          <ac:chgData name="Parker Erickson" userId="2d34a54251777d79" providerId="LiveId" clId="{CF08053C-B901-44F8-9B33-168E8253C788}" dt="2020-09-15T20:53:59.494" v="1129" actId="1076"/>
-          <ac:spMkLst>
-            <pc:docMk/>
-            <pc:sldMk cId="3583466750" sldId="256"/>
-            <ac:spMk id="6" creationId="{F47B7183-B3CB-4B51-A9F5-3C8C1B644482}"/>
-          </ac:spMkLst>
-        </pc:spChg>
-        <pc:picChg chg="mod ord">
-          <ac:chgData name="Parker Erickson" userId="2d34a54251777d79" providerId="LiveId" clId="{CF08053C-B901-44F8-9B33-168E8253C788}" dt="2020-09-15T20:55:14.803" v="1139" actId="170"/>
-          <ac:picMkLst>
-            <pc:docMk/>
-            <pc:sldMk cId="3583466750" sldId="256"/>
-            <ac:picMk id="4" creationId="{EFF9B2CC-CD8C-4519-AD0C-3A18C99C931D}"/>
-          </ac:picMkLst>
-        </pc:picChg>
-      </pc:sldChg>
-      <pc:sldChg chg="modSp mod">
-        <pc:chgData name="Parker Erickson" userId="2d34a54251777d79" providerId="LiveId" clId="{CF08053C-B901-44F8-9B33-168E8253C788}" dt="2020-09-15T20:19:09.607" v="1047" actId="20577"/>
-        <pc:sldMkLst>
-          <pc:docMk/>
-          <pc:sldMk cId="2010093974" sldId="257"/>
-        </pc:sldMkLst>
-        <pc:spChg chg="mod">
-          <ac:chgData name="Parker Erickson" userId="2d34a54251777d79" providerId="LiveId" clId="{CF08053C-B901-44F8-9B33-168E8253C788}" dt="2020-09-15T20:19:09.607" v="1047" actId="20577"/>
-          <ac:spMkLst>
-            <pc:docMk/>
-            <pc:sldMk cId="2010093974" sldId="257"/>
-            <ac:spMk id="7" creationId="{C640B709-ACF9-44CC-83CE-78BE435097FB}"/>
-          </ac:spMkLst>
-        </pc:spChg>
-      </pc:sldChg>
-      <pc:sldChg chg="addSp delSp modSp mod">
-        <pc:chgData name="Parker Erickson" userId="2d34a54251777d79" providerId="LiveId" clId="{CF08053C-B901-44F8-9B33-168E8253C788}" dt="2020-09-15T20:48:42.744" v="1087" actId="1076"/>
-        <pc:sldMkLst>
-          <pc:docMk/>
-          <pc:sldMk cId="3087221218" sldId="261"/>
-        </pc:sldMkLst>
-        <pc:spChg chg="del">
-          <ac:chgData name="Parker Erickson" userId="2d34a54251777d79" providerId="LiveId" clId="{CF08053C-B901-44F8-9B33-168E8253C788}" dt="2020-09-15T20:20:21.033" v="1049" actId="478"/>
-          <ac:spMkLst>
-            <pc:docMk/>
-            <pc:sldMk cId="3087221218" sldId="261"/>
-            <ac:spMk id="3" creationId="{91EFA19F-4724-433A-959D-FD8564376B3B}"/>
-          </ac:spMkLst>
-        </pc:spChg>
-        <pc:picChg chg="add mod modCrop">
-          <ac:chgData name="Parker Erickson" userId="2d34a54251777d79" providerId="LiveId" clId="{CF08053C-B901-44F8-9B33-168E8253C788}" dt="2020-09-15T20:48:42.744" v="1087" actId="1076"/>
-          <ac:picMkLst>
-            <pc:docMk/>
-            <pc:sldMk cId="3087221218" sldId="261"/>
-            <ac:picMk id="6" creationId="{796C319B-809C-44DD-AB02-B8A4F6031918}"/>
-          </ac:picMkLst>
-        </pc:picChg>
-      </pc:sldChg>
-      <pc:sldChg chg="modSp mod">
-        <pc:chgData name="Parker Erickson" userId="2d34a54251777d79" providerId="LiveId" clId="{CF08053C-B901-44F8-9B33-168E8253C788}" dt="2020-09-15T18:42:46.721" v="8" actId="14100"/>
-        <pc:sldMkLst>
-          <pc:docMk/>
-          <pc:sldMk cId="528472250" sldId="262"/>
-        </pc:sldMkLst>
-        <pc:spChg chg="mod">
-          <ac:chgData name="Parker Erickson" userId="2d34a54251777d79" providerId="LiveId" clId="{CF08053C-B901-44F8-9B33-168E8253C788}" dt="2020-09-15T18:42:46.721" v="8" actId="14100"/>
-          <ac:spMkLst>
-            <pc:docMk/>
-            <pc:sldMk cId="528472250" sldId="262"/>
-            <ac:spMk id="3" creationId="{5901E98B-5E1A-417D-9EAF-AB4A8C6D4F6F}"/>
-          </ac:spMkLst>
-        </pc:spChg>
-      </pc:sldChg>
-      <pc:sldChg chg="modSp mod">
-        <pc:chgData name="Parker Erickson" userId="2d34a54251777d79" providerId="LiveId" clId="{CF08053C-B901-44F8-9B33-168E8253C788}" dt="2020-09-15T20:11:15.829" v="990" actId="15"/>
-        <pc:sldMkLst>
-          <pc:docMk/>
-          <pc:sldMk cId="1878877411" sldId="263"/>
-        </pc:sldMkLst>
-        <pc:spChg chg="mod">
-          <ac:chgData name="Parker Erickson" userId="2d34a54251777d79" providerId="LiveId" clId="{CF08053C-B901-44F8-9B33-168E8253C788}" dt="2020-09-15T20:11:15.829" v="990" actId="15"/>
-          <ac:spMkLst>
-            <pc:docMk/>
-            <pc:sldMk cId="1878877411" sldId="263"/>
-            <ac:spMk id="3" creationId="{3B8F70AC-4506-46E7-9E90-5F32E666527E}"/>
-          </ac:spMkLst>
-        </pc:spChg>
-      </pc:sldChg>
-      <pc:sldChg chg="addSp modSp mod">
-        <pc:chgData name="Parker Erickson" userId="2d34a54251777d79" providerId="LiveId" clId="{CF08053C-B901-44F8-9B33-168E8253C788}" dt="2020-09-15T20:47:41.908" v="1085" actId="1076"/>
-        <pc:sldMkLst>
-          <pc:docMk/>
-          <pc:sldMk cId="1452234293" sldId="264"/>
-        </pc:sldMkLst>
-        <pc:spChg chg="mod">
-          <ac:chgData name="Parker Erickson" userId="2d34a54251777d79" providerId="LiveId" clId="{CF08053C-B901-44F8-9B33-168E8253C788}" dt="2020-09-15T20:47:41.908" v="1085" actId="1076"/>
-          <ac:spMkLst>
-            <pc:docMk/>
-            <pc:sldMk cId="1452234293" sldId="264"/>
-            <ac:spMk id="2" creationId="{CAC4A96C-A5C9-4E5E-9C8A-AC6A00AD3B6A}"/>
-          </ac:spMkLst>
-        </pc:spChg>
-        <pc:spChg chg="mod">
-          <ac:chgData name="Parker Erickson" userId="2d34a54251777d79" providerId="LiveId" clId="{CF08053C-B901-44F8-9B33-168E8253C788}" dt="2020-09-15T18:58:50.129" v="784" actId="27636"/>
-          <ac:spMkLst>
-            <pc:docMk/>
-            <pc:sldMk cId="1452234293" sldId="264"/>
-            <ac:spMk id="3" creationId="{5B1B0CF3-7173-452E-A24E-0DC1DA685824}"/>
-          </ac:spMkLst>
-        </pc:spChg>
-        <pc:spChg chg="add mod">
-          <ac:chgData name="Parker Erickson" userId="2d34a54251777d79" providerId="LiveId" clId="{CF08053C-B901-44F8-9B33-168E8253C788}" dt="2020-09-15T20:19:20.215" v="1048" actId="20577"/>
-          <ac:spMkLst>
-            <pc:docMk/>
-            <pc:sldMk cId="1452234293" sldId="264"/>
-            <ac:spMk id="6" creationId="{29A8B8D1-F8BC-4B56-AD1C-E6CD72E5132F}"/>
-          </ac:spMkLst>
-        </pc:spChg>
-        <pc:picChg chg="add mod ord">
-          <ac:chgData name="Parker Erickson" userId="2d34a54251777d79" providerId="LiveId" clId="{CF08053C-B901-44F8-9B33-168E8253C788}" dt="2020-09-15T20:34:05.198" v="1070" actId="1076"/>
-          <ac:picMkLst>
-            <pc:docMk/>
-            <pc:sldMk cId="1452234293" sldId="264"/>
-            <ac:picMk id="5" creationId="{1262C6EB-05E2-463F-95C9-1A962F044A00}"/>
-          </ac:picMkLst>
-        </pc:picChg>
-      </pc:sldChg>
-      <pc:sldChg chg="addSp modSp mod">
-        <pc:chgData name="Parker Erickson" userId="2d34a54251777d79" providerId="LiveId" clId="{CF08053C-B901-44F8-9B33-168E8253C788}" dt="2020-09-15T18:41:20.319" v="6" actId="14100"/>
-        <pc:sldMkLst>
-          <pc:docMk/>
-          <pc:sldMk cId="2322615350" sldId="265"/>
-        </pc:sldMkLst>
-        <pc:picChg chg="add mod ord">
-          <ac:chgData name="Parker Erickson" userId="2d34a54251777d79" providerId="LiveId" clId="{CF08053C-B901-44F8-9B33-168E8253C788}" dt="2020-09-15T18:41:20.319" v="6" actId="14100"/>
-          <ac:picMkLst>
-            <pc:docMk/>
-            <pc:sldMk cId="2322615350" sldId="265"/>
-            <ac:picMk id="5" creationId="{64B1D5DF-65EA-41CD-9B5A-36C9062BBBEC}"/>
-          </ac:picMkLst>
-        </pc:picChg>
-      </pc:sldChg>
-      <pc:sldChg chg="addSp modSp new mod">
-        <pc:chgData name="Parker Erickson" userId="2d34a54251777d79" providerId="LiveId" clId="{CF08053C-B901-44F8-9B33-168E8253C788}" dt="2020-09-15T20:46:08.868" v="1083" actId="20577"/>
-        <pc:sldMkLst>
-          <pc:docMk/>
-          <pc:sldMk cId="730607237" sldId="266"/>
-        </pc:sldMkLst>
-        <pc:spChg chg="mod">
-          <ac:chgData name="Parker Erickson" userId="2d34a54251777d79" providerId="LiveId" clId="{CF08053C-B901-44F8-9B33-168E8253C788}" dt="2020-09-15T19:08:49.217" v="802" actId="20577"/>
-          <ac:spMkLst>
-            <pc:docMk/>
-            <pc:sldMk cId="730607237" sldId="266"/>
-            <ac:spMk id="2" creationId="{1831DA8E-A832-48F0-810F-26946D283CDC}"/>
-          </ac:spMkLst>
-        </pc:spChg>
-        <pc:spChg chg="mod">
-          <ac:chgData name="Parker Erickson" userId="2d34a54251777d79" providerId="LiveId" clId="{CF08053C-B901-44F8-9B33-168E8253C788}" dt="2020-09-15T20:33:54.573" v="1069" actId="1076"/>
-          <ac:spMkLst>
-            <pc:docMk/>
-            <pc:sldMk cId="730607237" sldId="266"/>
-            <ac:spMk id="3" creationId="{82B202FA-9CEA-46AE-A674-4E70EACFA51C}"/>
-          </ac:spMkLst>
-        </pc:spChg>
-        <pc:spChg chg="add mod">
-          <ac:chgData name="Parker Erickson" userId="2d34a54251777d79" providerId="LiveId" clId="{CF08053C-B901-44F8-9B33-168E8253C788}" dt="2020-09-15T20:19:00.078" v="1046" actId="20577"/>
-          <ac:spMkLst>
-            <pc:docMk/>
-            <pc:sldMk cId="730607237" sldId="266"/>
-            <ac:spMk id="6" creationId="{AC82D866-6106-4685-AD74-C4250794B279}"/>
-          </ac:spMkLst>
-        </pc:spChg>
-        <pc:spChg chg="add mod">
-          <ac:chgData name="Parker Erickson" userId="2d34a54251777d79" providerId="LiveId" clId="{CF08053C-B901-44F8-9B33-168E8253C788}" dt="2020-09-15T20:46:08.868" v="1083" actId="20577"/>
-          <ac:spMkLst>
-            <pc:docMk/>
-            <pc:sldMk cId="730607237" sldId="266"/>
-            <ac:spMk id="7" creationId="{3FFD700E-B856-4E05-BEFD-EB6F09D726F0}"/>
-          </ac:spMkLst>
-        </pc:spChg>
-        <pc:picChg chg="add mod ord">
-          <ac:chgData name="Parker Erickson" userId="2d34a54251777d79" providerId="LiveId" clId="{CF08053C-B901-44F8-9B33-168E8253C788}" dt="2020-09-15T20:05:37.907" v="921" actId="167"/>
-          <ac:picMkLst>
-            <pc:docMk/>
-            <pc:sldMk cId="730607237" sldId="266"/>
-            <ac:picMk id="5" creationId="{94E48F01-E988-4BEE-AC61-2A095BF3C6BF}"/>
-          </ac:picMkLst>
-        </pc:picChg>
-      </pc:sldChg>
-      <pc:sldMasterChg chg="modSldLayout">
-        <pc:chgData name="Parker Erickson" userId="2d34a54251777d79" providerId="LiveId" clId="{CF08053C-B901-44F8-9B33-168E8253C788}" dt="2020-09-15T20:34:27.519" v="1072" actId="1076"/>
-        <pc:sldMasterMkLst>
-          <pc:docMk/>
-          <pc:sldMasterMk cId="675633508" sldId="2147483738"/>
-        </pc:sldMasterMkLst>
-        <pc:sldLayoutChg chg="modSp mod">
-          <pc:chgData name="Parker Erickson" userId="2d34a54251777d79" providerId="LiveId" clId="{CF08053C-B901-44F8-9B33-168E8253C788}" dt="2020-09-15T20:34:27.519" v="1072" actId="1076"/>
-          <pc:sldLayoutMkLst>
-            <pc:docMk/>
-            <pc:sldMasterMk cId="675633508" sldId="2147483738"/>
-            <pc:sldLayoutMk cId="1826900311" sldId="2147483734"/>
-          </pc:sldLayoutMkLst>
-          <pc:spChg chg="mod">
-            <ac:chgData name="Parker Erickson" userId="2d34a54251777d79" providerId="LiveId" clId="{CF08053C-B901-44F8-9B33-168E8253C788}" dt="2020-09-15T20:34:27.519" v="1072" actId="1076"/>
-            <ac:spMkLst>
-              <pc:docMk/>
-              <pc:sldMasterMk cId="675633508" sldId="2147483738"/>
-              <pc:sldLayoutMk cId="1826900311" sldId="2147483734"/>
-              <ac:spMk id="5" creationId="{8FCE3137-8136-46C5-AC2F-49E5F55E4C73}"/>
-            </ac:spMkLst>
-          </pc:spChg>
-        </pc:sldLayoutChg>
-      </pc:sldMasterChg>
-    </pc:docChg>
-  </pc:docChgLst>
-</pc:chgInfo>
 </file>
 
 <file path=ppt/notesMasters/notesMaster1.xml><?xml version="1.0" encoding="utf-8"?>
@@ -448,7 +207,7 @@
           <a:p>
             <a:fld id="{14E9ADB8-FCC2-4266-9FA2-C44C95B5818B}" type="datetimeFigureOut">
               <a:rPr lang="en-US" smtClean="0"/>
-              <a:t>9/15/2020</a:t>
+              <a:t>9/21/20</a:t>
             </a:fld>
             <a:endParaRPr lang="en-US"/>
           </a:p>
@@ -713,6 +472,101 @@
     </a:lvl9pPr>
   </p:notesStyle>
 </p:notesMaster>
+</file>
+
+<file path=ppt/notesSlides/notesSlide1.xml><?xml version="1.0" encoding="utf-8"?>
+<p:notes xmlns:a="http://schemas.openxmlformats.org/drawingml/2006/main" xmlns:r="http://schemas.openxmlformats.org/officeDocument/2006/relationships" xmlns:p="http://schemas.openxmlformats.org/presentationml/2006/main">
+  <p:cSld>
+    <p:spTree>
+      <p:nvGrpSpPr>
+        <p:cNvPr id="1" name=""/>
+        <p:cNvGrpSpPr/>
+        <p:nvPr/>
+      </p:nvGrpSpPr>
+      <p:grpSpPr>
+        <a:xfrm>
+          <a:off x="0" y="0"/>
+          <a:ext cx="0" cy="0"/>
+          <a:chOff x="0" y="0"/>
+          <a:chExt cx="0" cy="0"/>
+        </a:xfrm>
+      </p:grpSpPr>
+      <p:sp>
+        <p:nvSpPr>
+          <p:cNvPr id="2" name="Slide Image Placeholder 1"/>
+          <p:cNvSpPr>
+            <a:spLocks noGrp="1" noRot="1" noChangeAspect="1"/>
+          </p:cNvSpPr>
+          <p:nvPr>
+            <p:ph type="sldImg"/>
+          </p:nvPr>
+        </p:nvSpPr>
+        <p:spPr/>
+      </p:sp>
+      <p:sp>
+        <p:nvSpPr>
+          <p:cNvPr id="3" name="Notes Placeholder 2"/>
+          <p:cNvSpPr>
+            <a:spLocks noGrp="1"/>
+          </p:cNvSpPr>
+          <p:nvPr>
+            <p:ph type="body" idx="1"/>
+          </p:nvPr>
+        </p:nvSpPr>
+        <p:spPr/>
+        <p:txBody>
+          <a:bodyPr/>
+          <a:lstStyle/>
+          <a:p>
+            <a:r>
+              <a:rPr lang="en-US" dirty="0"/>
+              <a:t>Huge library of classical graph algorithms (page rank, </a:t>
+            </a:r>
+            <a:r>
+              <a:rPr lang="en-US" dirty="0" err="1"/>
+              <a:t>etc</a:t>
+            </a:r>
+            <a:r>
+              <a:rPr lang="en-US" dirty="0"/>
+              <a:t>) are mature, but ML on graph is new. Need libraries and people to support that.</a:t>
+            </a:r>
+          </a:p>
+        </p:txBody>
+      </p:sp>
+      <p:sp>
+        <p:nvSpPr>
+          <p:cNvPr id="4" name="Slide Number Placeholder 3"/>
+          <p:cNvSpPr>
+            <a:spLocks noGrp="1"/>
+          </p:cNvSpPr>
+          <p:nvPr>
+            <p:ph type="sldNum" sz="quarter" idx="5"/>
+          </p:nvPr>
+        </p:nvSpPr>
+        <p:spPr/>
+        <p:txBody>
+          <a:bodyPr/>
+          <a:lstStyle/>
+          <a:p>
+            <a:fld id="{95B96025-CE3C-4999-B7E7-EDE20B305B53}" type="slidenum">
+              <a:rPr lang="en-US" smtClean="0"/>
+              <a:t>4</a:t>
+            </a:fld>
+            <a:endParaRPr lang="en-US"/>
+          </a:p>
+        </p:txBody>
+      </p:sp>
+    </p:spTree>
+    <p:extLst>
+      <p:ext uri="{BB962C8B-B14F-4D97-AF65-F5344CB8AC3E}">
+        <p14:creationId xmlns:p14="http://schemas.microsoft.com/office/powerpoint/2010/main" val="2424554528"/>
+      </p:ext>
+    </p:extLst>
+  </p:cSld>
+  <p:clrMapOvr>
+    <a:masterClrMapping/>
+  </p:clrMapOvr>
+</p:notes>
 </file>
 
 <file path=ppt/slideLayouts/slideLayout1.xml><?xml version="1.0" encoding="utf-8"?>
@@ -4750,7 +4604,7 @@
         </p:spPr>
         <p:txBody>
           <a:bodyPr>
-            <a:normAutofit lnSpcReduction="10000"/>
+            <a:normAutofit/>
           </a:bodyPr>
           <a:lstStyle/>
           <a:p>
@@ -5034,7 +4888,7 @@
           <p:cNvPr id="2" name="Title 1">
             <a:extLst>
               <a:ext uri="{FF2B5EF4-FFF2-40B4-BE49-F238E27FC236}">
-                <a16:creationId xmlns:a16="http://schemas.microsoft.com/office/drawing/2014/main" id="{AC0AA7D7-AD34-4B91-A03C-CDBA9A333130}"/>
+                <a16:creationId xmlns:a16="http://schemas.microsoft.com/office/drawing/2014/main" id="{6B530FF3-B930-F64B-8BF4-64F93D667566}"/>
               </a:ext>
             </a:extLst>
           </p:cNvPr>
@@ -5051,10 +4905,8 @@
           <a:lstStyle/>
           <a:p>
             <a:r>
-              <a:rPr lang="en-US" dirty="0">
-                <a:latin typeface="Bahnschrift" panose="020B0502040204020203" pitchFamily="34" charset="0"/>
-              </a:rPr>
-              <a:t>Why Graph?</a:t>
+              <a:rPr lang="en-US" dirty="0"/>
+              <a:t>Objectives</a:t>
             </a:r>
           </a:p>
         </p:txBody>
@@ -5064,7 +4916,7 @@
           <p:cNvPr id="3" name="Content Placeholder 2">
             <a:extLst>
               <a:ext uri="{FF2B5EF4-FFF2-40B4-BE49-F238E27FC236}">
-                <a16:creationId xmlns:a16="http://schemas.microsoft.com/office/drawing/2014/main" id="{9DEA8725-16D1-49D0-8516-37E5DBEC3494}"/>
+                <a16:creationId xmlns:a16="http://schemas.microsoft.com/office/drawing/2014/main" id="{B778323B-707B-CC4F-A80B-9E27D60EA464}"/>
               </a:ext>
             </a:extLst>
           </p:cNvPr>
@@ -5075,152 +4927,81 @@
             <p:ph idx="1"/>
           </p:nvPr>
         </p:nvSpPr>
-        <p:spPr>
-          <a:xfrm>
-            <a:off x="1371600" y="2254103"/>
-            <a:ext cx="4498173" cy="3918098"/>
-          </a:xfrm>
-        </p:spPr>
-        <p:txBody>
-          <a:bodyPr/>
-          <a:lstStyle/>
-          <a:p>
-            <a:r>
-              <a:rPr lang="en-US" dirty="0"/>
-              <a:t>Graphs not only store data, they store </a:t>
-            </a:r>
-            <a:r>
-              <a:rPr lang="en-US" b="1" i="1" dirty="0"/>
-              <a:t>relationships</a:t>
-            </a:r>
-            <a:r>
-              <a:rPr lang="en-US" dirty="0"/>
-              <a:t> between data in things like:</a:t>
+        <p:spPr/>
+        <p:txBody>
+          <a:bodyPr/>
+          <a:lstStyle/>
+          <a:p>
+            <a:r>
+              <a:rPr lang="en-US" dirty="0"/>
+              <a:t>Learn about </a:t>
+            </a:r>
+            <a:r>
+              <a:rPr lang="en-US" dirty="0" err="1"/>
+              <a:t>pyTigerGraph</a:t>
+            </a:r>
+            <a:r>
+              <a:rPr lang="en-US" dirty="0"/>
+              <a:t> Python package</a:t>
             </a:r>
           </a:p>
           <a:p>
             <a:pPr lvl="1"/>
             <a:r>
               <a:rPr lang="en-US" dirty="0"/>
-              <a:t>Social Networks</a:t>
+              <a:t>What it is used for</a:t>
+            </a:r>
+          </a:p>
+          <a:p>
+            <a:r>
+              <a:rPr lang="en-US" dirty="0"/>
+              <a:t>Learn why Data Scientists prefer to use Python</a:t>
+            </a:r>
+          </a:p>
+          <a:p>
+            <a:r>
+              <a:rPr lang="en-US" dirty="0"/>
+              <a:t>Intro to Graph ML Algorithms</a:t>
+            </a:r>
+          </a:p>
+          <a:p>
+            <a:r>
+              <a:rPr lang="en-US" dirty="0"/>
+              <a:t>Learn about when to use Python or GSQL</a:t>
             </a:r>
           </a:p>
           <a:p>
             <a:pPr lvl="1"/>
             <a:r>
               <a:rPr lang="en-US" dirty="0"/>
-              <a:t>Fraud Rings</a:t>
-            </a:r>
-          </a:p>
-          <a:p>
-            <a:pPr lvl="1"/>
-            <a:r>
-              <a:rPr lang="en-US" dirty="0"/>
-              <a:t>Recommendation Engines</a:t>
-            </a:r>
-          </a:p>
-          <a:p>
-            <a:r>
-              <a:rPr lang="en-US" dirty="0"/>
-              <a:t>Graphs</a:t>
-            </a:r>
-            <a:r>
-              <a:rPr lang="en-US" b="1" dirty="0"/>
-              <a:t> </a:t>
-            </a:r>
-            <a:r>
-              <a:rPr lang="en-US" dirty="0"/>
-              <a:t>can enable </a:t>
-            </a:r>
-            <a:r>
-              <a:rPr lang="en-US" b="1" dirty="0"/>
-              <a:t>Explainable AI</a:t>
+              <a:t>Tradeoffs between them</a:t>
+            </a:r>
+          </a:p>
+          <a:p>
+            <a:r>
+              <a:rPr lang="en-US" dirty="0"/>
+              <a:t>Learn how to get started with </a:t>
+            </a:r>
+            <a:r>
+              <a:rPr lang="en-US" dirty="0" err="1"/>
+              <a:t>pyTigerGraph</a:t>
             </a:r>
             <a:endParaRPr lang="en-US" dirty="0"/>
           </a:p>
           <a:p>
-            <a:pPr lvl="1"/>
-            <a:endParaRPr lang="en-US" dirty="0"/>
-          </a:p>
-        </p:txBody>
-      </p:sp>
-      <p:pic>
-        <p:nvPicPr>
-          <p:cNvPr id="6" name="Picture 5">
-            <a:extLst>
-              <a:ext uri="{FF2B5EF4-FFF2-40B4-BE49-F238E27FC236}">
-                <a16:creationId xmlns:a16="http://schemas.microsoft.com/office/drawing/2014/main" id="{97F2C081-9853-49C7-A846-C2CAAE0BC390}"/>
-              </a:ext>
-            </a:extLst>
-          </p:cNvPr>
-          <p:cNvPicPr>
-            <a:picLocks noChangeAspect="1"/>
-          </p:cNvPicPr>
-          <p:nvPr/>
-        </p:nvPicPr>
-        <p:blipFill>
-          <a:blip r:embed="rId2"/>
-          <a:stretch>
-            <a:fillRect/>
-          </a:stretch>
-        </p:blipFill>
-        <p:spPr>
-          <a:xfrm>
-            <a:off x="5796594" y="2057400"/>
-            <a:ext cx="6395406" cy="2864342"/>
-          </a:xfrm>
-          <a:prstGeom prst="rect">
-            <a:avLst/>
-          </a:prstGeom>
-        </p:spPr>
-      </p:pic>
-      <p:sp>
-        <p:nvSpPr>
-          <p:cNvPr id="7" name="TextBox 6">
-            <a:extLst>
-              <a:ext uri="{FF2B5EF4-FFF2-40B4-BE49-F238E27FC236}">
-                <a16:creationId xmlns:a16="http://schemas.microsoft.com/office/drawing/2014/main" id="{C640B709-ACF9-44CC-83CE-78BE435097FB}"/>
-              </a:ext>
-            </a:extLst>
-          </p:cNvPr>
-          <p:cNvSpPr txBox="1"/>
-          <p:nvPr/>
-        </p:nvSpPr>
-        <p:spPr>
-          <a:xfrm>
-            <a:off x="6637434" y="4992973"/>
-            <a:ext cx="5056192" cy="215444"/>
-          </a:xfrm>
-          <a:prstGeom prst="rect">
-            <a:avLst/>
-          </a:prstGeom>
-          <a:noFill/>
-        </p:spPr>
-        <p:txBody>
-          <a:bodyPr wrap="none" rtlCol="0">
-            <a:spAutoFit/>
-          </a:bodyPr>
-          <a:lstStyle/>
-          <a:p>
-            <a:r>
-              <a:rPr lang="en-US" sz="800" dirty="0">
-                <a:hlinkClick r:id="rId3"/>
-              </a:rPr>
-              <a:t>https://tech.ebayinc.com/research/explainable-reasoning-over-knowledge-graphs-for-recommendation/</a:t>
-            </a:r>
-            <a:r>
-              <a:rPr lang="en-US" sz="800" dirty="0"/>
-              <a:t> </a:t>
-            </a:r>
-          </a:p>
-        </p:txBody>
-      </p:sp>
-      <p:sp>
-        <p:nvSpPr>
-          <p:cNvPr id="10" name="Footer Placeholder 9">
-            <a:extLst>
-              <a:ext uri="{FF2B5EF4-FFF2-40B4-BE49-F238E27FC236}">
-                <a16:creationId xmlns:a16="http://schemas.microsoft.com/office/drawing/2014/main" id="{872A276B-0A4B-4448-8E81-3278C78E5735}"/>
+            <a:r>
+              <a:rPr lang="en-US" dirty="0"/>
+              <a:t>Future Direction</a:t>
+            </a:r>
+          </a:p>
+        </p:txBody>
+      </p:sp>
+      <p:sp>
+        <p:nvSpPr>
+          <p:cNvPr id="4" name="Footer Placeholder 3">
+            <a:extLst>
+              <a:ext uri="{FF2B5EF4-FFF2-40B4-BE49-F238E27FC236}">
+                <a16:creationId xmlns:a16="http://schemas.microsoft.com/office/drawing/2014/main" id="{4EE5E666-B3B8-694E-B6FB-08A6C459483F}"/>
               </a:ext>
             </a:extLst>
           </p:cNvPr>
@@ -5246,7 +5027,7 @@
     </p:spTree>
     <p:extLst>
       <p:ext uri="{BB962C8B-B14F-4D97-AF65-F5344CB8AC3E}">
-        <p14:creationId xmlns:p14="http://schemas.microsoft.com/office/powerpoint/2010/main" val="2010093974"/>
+        <p14:creationId xmlns:p14="http://schemas.microsoft.com/office/powerpoint/2010/main" val="652030290"/>
       </p:ext>
     </p:extLst>
   </p:cSld>
@@ -5273,12 +5054,135 @@
           <a:chExt cx="0" cy="0"/>
         </a:xfrm>
       </p:grpSpPr>
+      <p:sp>
+        <p:nvSpPr>
+          <p:cNvPr id="2" name="Title 1">
+            <a:extLst>
+              <a:ext uri="{FF2B5EF4-FFF2-40B4-BE49-F238E27FC236}">
+                <a16:creationId xmlns:a16="http://schemas.microsoft.com/office/drawing/2014/main" id="{AC0AA7D7-AD34-4B91-A03C-CDBA9A333130}"/>
+              </a:ext>
+            </a:extLst>
+          </p:cNvPr>
+          <p:cNvSpPr>
+            <a:spLocks noGrp="1"/>
+          </p:cNvSpPr>
+          <p:nvPr>
+            <p:ph type="title"/>
+          </p:nvPr>
+        </p:nvSpPr>
+        <p:spPr/>
+        <p:txBody>
+          <a:bodyPr/>
+          <a:lstStyle/>
+          <a:p>
+            <a:r>
+              <a:rPr lang="en-US" dirty="0">
+                <a:latin typeface="Bahnschrift" panose="020B0502040204020203" pitchFamily="34" charset="0"/>
+              </a:rPr>
+              <a:t>Why Graph?</a:t>
+            </a:r>
+          </a:p>
+        </p:txBody>
+      </p:sp>
+      <p:sp>
+        <p:nvSpPr>
+          <p:cNvPr id="3" name="Content Placeholder 2">
+            <a:extLst>
+              <a:ext uri="{FF2B5EF4-FFF2-40B4-BE49-F238E27FC236}">
+                <a16:creationId xmlns:a16="http://schemas.microsoft.com/office/drawing/2014/main" id="{9DEA8725-16D1-49D0-8516-37E5DBEC3494}"/>
+              </a:ext>
+            </a:extLst>
+          </p:cNvPr>
+          <p:cNvSpPr>
+            <a:spLocks noGrp="1"/>
+          </p:cNvSpPr>
+          <p:nvPr>
+            <p:ph idx="1"/>
+          </p:nvPr>
+        </p:nvSpPr>
+        <p:spPr>
+          <a:xfrm>
+            <a:off x="1371600" y="2254103"/>
+            <a:ext cx="4498173" cy="3918098"/>
+          </a:xfrm>
+        </p:spPr>
+        <p:txBody>
+          <a:bodyPr>
+            <a:normAutofit lnSpcReduction="10000"/>
+          </a:bodyPr>
+          <a:lstStyle/>
+          <a:p>
+            <a:r>
+              <a:rPr lang="en-US" dirty="0"/>
+              <a:t>Graphs not only store data, they store </a:t>
+            </a:r>
+            <a:r>
+              <a:rPr lang="en-US" b="1" i="1" dirty="0"/>
+              <a:t>relationships</a:t>
+            </a:r>
+            <a:r>
+              <a:rPr lang="en-US" dirty="0"/>
+              <a:t> between data in things like:</a:t>
+            </a:r>
+          </a:p>
+          <a:p>
+            <a:pPr lvl="1"/>
+            <a:r>
+              <a:rPr lang="en-US" dirty="0"/>
+              <a:t>Social Networks</a:t>
+            </a:r>
+          </a:p>
+          <a:p>
+            <a:pPr lvl="1"/>
+            <a:r>
+              <a:rPr lang="en-US" dirty="0"/>
+              <a:t>Fraud Rings</a:t>
+            </a:r>
+          </a:p>
+          <a:p>
+            <a:pPr lvl="1"/>
+            <a:r>
+              <a:rPr lang="en-US" dirty="0"/>
+              <a:t>Recommendation Engines</a:t>
+            </a:r>
+          </a:p>
+          <a:p>
+            <a:r>
+              <a:rPr lang="en-US" dirty="0"/>
+              <a:t>Graph Machine Learning algorithms are new</a:t>
+            </a:r>
+          </a:p>
+          <a:p>
+            <a:r>
+              <a:rPr lang="en-US" dirty="0"/>
+              <a:t>Graphs</a:t>
+            </a:r>
+            <a:r>
+              <a:rPr lang="en-US" b="1" dirty="0"/>
+              <a:t> </a:t>
+            </a:r>
+            <a:r>
+              <a:rPr lang="en-US" dirty="0"/>
+              <a:t>can enable </a:t>
+            </a:r>
+            <a:r>
+              <a:rPr lang="en-US" b="1" dirty="0"/>
+              <a:t>Explainable AI</a:t>
+            </a:r>
+            <a:endParaRPr lang="en-US" dirty="0"/>
+          </a:p>
+          <a:p>
+            <a:pPr lvl="1"/>
+            <a:endParaRPr lang="en-US" dirty="0"/>
+          </a:p>
+        </p:txBody>
+      </p:sp>
       <p:pic>
         <p:nvPicPr>
-          <p:cNvPr id="5" name="Picture 4">
-            <a:extLst>
-              <a:ext uri="{FF2B5EF4-FFF2-40B4-BE49-F238E27FC236}">
-                <a16:creationId xmlns:a16="http://schemas.microsoft.com/office/drawing/2014/main" id="{94E48F01-E988-4BEE-AC61-2A095BF3C6BF}"/>
+          <p:cNvPr id="6" name="Picture 5">
+            <a:extLst>
+              <a:ext uri="{FF2B5EF4-FFF2-40B4-BE49-F238E27FC236}">
+                <a16:creationId xmlns:a16="http://schemas.microsoft.com/office/drawing/2014/main" id="{97F2C081-9853-49C7-A846-C2CAAE0BC390}"/>
               </a:ext>
             </a:extLst>
           </p:cNvPr>
@@ -5288,15 +5192,15 @@
           <p:nvPr/>
         </p:nvPicPr>
         <p:blipFill>
-          <a:blip r:embed="rId2"/>
+          <a:blip r:embed="rId3"/>
           <a:stretch>
             <a:fillRect/>
           </a:stretch>
         </p:blipFill>
         <p:spPr>
           <a:xfrm>
-            <a:off x="4616388" y="1840360"/>
-            <a:ext cx="7447051" cy="4188966"/>
+            <a:off x="5796594" y="2057400"/>
+            <a:ext cx="6395406" cy="2864342"/>
           </a:xfrm>
           <a:prstGeom prst="rect">
             <a:avLst/>
@@ -5305,121 +5209,20 @@
       </p:pic>
       <p:sp>
         <p:nvSpPr>
-          <p:cNvPr id="2" name="Title 1">
-            <a:extLst>
-              <a:ext uri="{FF2B5EF4-FFF2-40B4-BE49-F238E27FC236}">
-                <a16:creationId xmlns:a16="http://schemas.microsoft.com/office/drawing/2014/main" id="{1831DA8E-A832-48F0-810F-26946D283CDC}"/>
-              </a:ext>
-            </a:extLst>
-          </p:cNvPr>
-          <p:cNvSpPr>
-            <a:spLocks noGrp="1"/>
-          </p:cNvSpPr>
-          <p:nvPr>
-            <p:ph type="title"/>
-          </p:nvPr>
-        </p:nvSpPr>
-        <p:spPr/>
-        <p:txBody>
-          <a:bodyPr/>
-          <a:lstStyle/>
-          <a:p>
-            <a:r>
-              <a:rPr lang="en-US" dirty="0"/>
-              <a:t>Graph in Industry</a:t>
-            </a:r>
-          </a:p>
-        </p:txBody>
-      </p:sp>
-      <p:sp>
-        <p:nvSpPr>
-          <p:cNvPr id="3" name="Content Placeholder 2">
-            <a:extLst>
-              <a:ext uri="{FF2B5EF4-FFF2-40B4-BE49-F238E27FC236}">
-                <a16:creationId xmlns:a16="http://schemas.microsoft.com/office/drawing/2014/main" id="{82B202FA-9CEA-46AE-A674-4E70EACFA51C}"/>
-              </a:ext>
-            </a:extLst>
-          </p:cNvPr>
-          <p:cNvSpPr>
-            <a:spLocks noGrp="1"/>
-          </p:cNvSpPr>
-          <p:nvPr>
-            <p:ph idx="1"/>
-          </p:nvPr>
+          <p:cNvPr id="7" name="TextBox 6">
+            <a:extLst>
+              <a:ext uri="{FF2B5EF4-FFF2-40B4-BE49-F238E27FC236}">
+                <a16:creationId xmlns:a16="http://schemas.microsoft.com/office/drawing/2014/main" id="{C640B709-ACF9-44CC-83CE-78BE435097FB}"/>
+              </a:ext>
+            </a:extLst>
+          </p:cNvPr>
+          <p:cNvSpPr txBox="1"/>
+          <p:nvPr/>
         </p:nvSpPr>
         <p:spPr>
           <a:xfrm>
-            <a:off x="408203" y="2212350"/>
-            <a:ext cx="4798381" cy="3918098"/>
-          </a:xfrm>
-        </p:spPr>
-        <p:txBody>
-          <a:bodyPr/>
-          <a:lstStyle/>
-          <a:p>
-            <a:r>
-              <a:rPr lang="en-US" dirty="0"/>
-              <a:t>Optum</a:t>
-            </a:r>
-          </a:p>
-          <a:p>
-            <a:pPr lvl="1"/>
-            <a:r>
-              <a:rPr lang="en-US" dirty="0"/>
-              <a:t>World’s Largest Healthcare Graph</a:t>
-            </a:r>
-          </a:p>
-          <a:p>
-            <a:pPr lvl="1"/>
-            <a:r>
-              <a:rPr lang="en-US" dirty="0"/>
-              <a:t>10+ Billion Vertices</a:t>
-            </a:r>
-          </a:p>
-          <a:p>
-            <a:r>
-              <a:rPr lang="en-US" dirty="0"/>
-              <a:t>LinkedIn</a:t>
-            </a:r>
-          </a:p>
-          <a:p>
-            <a:pPr lvl="1"/>
-            <a:r>
-              <a:rPr lang="en-US" dirty="0"/>
-              <a:t>Connection Graph</a:t>
-            </a:r>
-          </a:p>
-          <a:p>
-            <a:r>
-              <a:rPr lang="en-US" dirty="0"/>
-              <a:t>Amazon</a:t>
-            </a:r>
-          </a:p>
-          <a:p>
-            <a:pPr lvl="1"/>
-            <a:r>
-              <a:rPr lang="en-US" dirty="0"/>
-              <a:t>Products, reviews, users, etc.</a:t>
-            </a:r>
-          </a:p>
-        </p:txBody>
-      </p:sp>
-      <p:sp>
-        <p:nvSpPr>
-          <p:cNvPr id="6" name="TextBox 5">
-            <a:extLst>
-              <a:ext uri="{FF2B5EF4-FFF2-40B4-BE49-F238E27FC236}">
-                <a16:creationId xmlns:a16="http://schemas.microsoft.com/office/drawing/2014/main" id="{AC82D866-6106-4685-AD74-C4250794B279}"/>
-              </a:ext>
-            </a:extLst>
-          </p:cNvPr>
-          <p:cNvSpPr txBox="1"/>
-          <p:nvPr/>
-        </p:nvSpPr>
-        <p:spPr>
-          <a:xfrm>
-            <a:off x="4838330" y="5969959"/>
-            <a:ext cx="5134739" cy="261610"/>
+            <a:off x="6637434" y="4992973"/>
+            <a:ext cx="5056192" cy="215444"/>
           </a:xfrm>
           <a:prstGeom prst="rect">
             <a:avLst/>
@@ -5433,54 +5236,13 @@
           <a:lstStyle/>
           <a:p>
             <a:r>
-              <a:rPr lang="en-US" sz="1100" dirty="0">
-                <a:hlinkClick r:id="rId3"/>
-              </a:rPr>
-              <a:t>https://neo4j.com/blog/connected-healthcare-data-challenges-graphconnect/</a:t>
-            </a:r>
-            <a:r>
-              <a:rPr lang="en-US" sz="1100" dirty="0"/>
-              <a:t> </a:t>
-            </a:r>
-          </a:p>
-        </p:txBody>
-      </p:sp>
-      <p:sp>
-        <p:nvSpPr>
-          <p:cNvPr id="7" name="TextBox 6">
-            <a:extLst>
-              <a:ext uri="{FF2B5EF4-FFF2-40B4-BE49-F238E27FC236}">
-                <a16:creationId xmlns:a16="http://schemas.microsoft.com/office/drawing/2014/main" id="{3FFD700E-B856-4E05-BEFD-EB6F09D726F0}"/>
-              </a:ext>
-            </a:extLst>
-          </p:cNvPr>
-          <p:cNvSpPr txBox="1"/>
-          <p:nvPr/>
-        </p:nvSpPr>
-        <p:spPr>
-          <a:xfrm>
-            <a:off x="0" y="6195186"/>
-            <a:ext cx="4838330" cy="430887"/>
-          </a:xfrm>
-          <a:prstGeom prst="rect">
-            <a:avLst/>
-          </a:prstGeom>
-          <a:noFill/>
-        </p:spPr>
-        <p:txBody>
-          <a:bodyPr wrap="square" rtlCol="0">
-            <a:spAutoFit/>
-          </a:bodyPr>
-          <a:lstStyle/>
-          <a:p>
-            <a:r>
-              <a:rPr lang="en-US" sz="1100" dirty="0">
+              <a:rPr lang="en-US" sz="800" dirty="0">
                 <a:hlinkClick r:id="rId4"/>
               </a:rPr>
-              <a:t>https://www.optum.com/content/dam/optum3/optum/en/resources/publications/oreilly-state-of-healthcare-technology.pdf</a:t>
-            </a:r>
-            <a:r>
-              <a:rPr lang="en-US" sz="1100" dirty="0"/>
+              <a:t>https://tech.ebayinc.com/research/explainable-reasoning-over-knowledge-graphs-for-recommendation/</a:t>
+            </a:r>
+            <a:r>
+              <a:rPr lang="en-US" sz="800" dirty="0"/>
               <a:t> </a:t>
             </a:r>
           </a:p>
@@ -5488,10 +5250,10 @@
       </p:sp>
       <p:sp>
         <p:nvSpPr>
-          <p:cNvPr id="8" name="Footer Placeholder 7">
-            <a:extLst>
-              <a:ext uri="{FF2B5EF4-FFF2-40B4-BE49-F238E27FC236}">
-                <a16:creationId xmlns:a16="http://schemas.microsoft.com/office/drawing/2014/main" id="{6708F294-0226-49E6-AEAD-FA25E8518F7E}"/>
+          <p:cNvPr id="10" name="Footer Placeholder 9">
+            <a:extLst>
+              <a:ext uri="{FF2B5EF4-FFF2-40B4-BE49-F238E27FC236}">
+                <a16:creationId xmlns:a16="http://schemas.microsoft.com/office/drawing/2014/main" id="{872A276B-0A4B-4448-8E81-3278C78E5735}"/>
               </a:ext>
             </a:extLst>
           </p:cNvPr>
@@ -5517,7 +5279,7 @@
     </p:spTree>
     <p:extLst>
       <p:ext uri="{BB962C8B-B14F-4D97-AF65-F5344CB8AC3E}">
-        <p14:creationId xmlns:p14="http://schemas.microsoft.com/office/powerpoint/2010/main" val="730607237"/>
+        <p14:creationId xmlns:p14="http://schemas.microsoft.com/office/powerpoint/2010/main" val="2010093974"/>
       </p:ext>
     </p:extLst>
   </p:cSld>
@@ -5614,7 +5376,14 @@
             <a:pPr lvl="1"/>
             <a:r>
               <a:rPr lang="en-US" dirty="0"/>
-              <a:t>No need to learn how to do complex GSQL queries</a:t>
+              <a:t>Lower need for simple GSQL queries</a:t>
+            </a:r>
+          </a:p>
+          <a:p>
+            <a:pPr lvl="2"/>
+            <a:r>
+              <a:rPr lang="en-US" dirty="0"/>
+              <a:t>Loading data, simple analysis</a:t>
             </a:r>
           </a:p>
           <a:p>
@@ -5717,12 +5486,104 @@
           <a:chExt cx="0" cy="0"/>
         </a:xfrm>
       </p:grpSpPr>
+      <p:sp>
+        <p:nvSpPr>
+          <p:cNvPr id="2" name="Title 1">
+            <a:extLst>
+              <a:ext uri="{FF2B5EF4-FFF2-40B4-BE49-F238E27FC236}">
+                <a16:creationId xmlns:a16="http://schemas.microsoft.com/office/drawing/2014/main" id="{F7E4D7C2-BFFA-47D6-BD4D-01BF2D1F4681}"/>
+              </a:ext>
+            </a:extLst>
+          </p:cNvPr>
+          <p:cNvSpPr>
+            <a:spLocks noGrp="1"/>
+          </p:cNvSpPr>
+          <p:nvPr>
+            <p:ph type="title"/>
+          </p:nvPr>
+        </p:nvSpPr>
+        <p:spPr/>
+        <p:txBody>
+          <a:bodyPr/>
+          <a:lstStyle/>
+          <a:p>
+            <a:r>
+              <a:rPr lang="en-US" dirty="0"/>
+              <a:t>pyTigerGraph</a:t>
+            </a:r>
+          </a:p>
+        </p:txBody>
+      </p:sp>
+      <p:sp>
+        <p:nvSpPr>
+          <p:cNvPr id="3" name="Content Placeholder 2">
+            <a:extLst>
+              <a:ext uri="{FF2B5EF4-FFF2-40B4-BE49-F238E27FC236}">
+                <a16:creationId xmlns:a16="http://schemas.microsoft.com/office/drawing/2014/main" id="{93F531AD-4823-4292-913F-0E330FB8F99B}"/>
+              </a:ext>
+            </a:extLst>
+          </p:cNvPr>
+          <p:cNvSpPr>
+            <a:spLocks noGrp="1"/>
+          </p:cNvSpPr>
+          <p:nvPr>
+            <p:ph idx="1"/>
+          </p:nvPr>
+        </p:nvSpPr>
+        <p:spPr>
+          <a:xfrm>
+            <a:off x="1371600" y="2254103"/>
+            <a:ext cx="5606250" cy="3918098"/>
+          </a:xfrm>
+        </p:spPr>
+        <p:txBody>
+          <a:bodyPr/>
+          <a:lstStyle/>
+          <a:p>
+            <a:r>
+              <a:rPr lang="en-US" dirty="0"/>
+              <a:t>pyTigerGraph enables data scientists to easily </a:t>
+            </a:r>
+            <a:r>
+              <a:rPr lang="en-US" b="1" dirty="0"/>
+              <a:t>create, load, and analyze graph relationships</a:t>
+            </a:r>
+          </a:p>
+          <a:p>
+            <a:r>
+              <a:rPr lang="en-US" dirty="0"/>
+              <a:t>Opens the door to various graph machine learning algorithms, such as:</a:t>
+            </a:r>
+          </a:p>
+          <a:p>
+            <a:pPr lvl="1"/>
+            <a:r>
+              <a:rPr lang="en-US" dirty="0"/>
+              <a:t>Node2Vec</a:t>
+            </a:r>
+          </a:p>
+          <a:p>
+            <a:pPr lvl="1"/>
+            <a:r>
+              <a:rPr lang="en-US" dirty="0"/>
+              <a:t>Graph Convolutional Neural Networks</a:t>
+            </a:r>
+          </a:p>
+          <a:p>
+            <a:pPr lvl="1"/>
+            <a:r>
+              <a:rPr lang="en-US" dirty="0"/>
+              <a:t>Graph Attention Networks</a:t>
+            </a:r>
+          </a:p>
+        </p:txBody>
+      </p:sp>
       <p:pic>
         <p:nvPicPr>
-          <p:cNvPr id="5" name="Picture 4">
-            <a:extLst>
-              <a:ext uri="{FF2B5EF4-FFF2-40B4-BE49-F238E27FC236}">
-                <a16:creationId xmlns:a16="http://schemas.microsoft.com/office/drawing/2014/main" id="{64B1D5DF-65EA-41CD-9B5A-36C9062BBBEC}"/>
+          <p:cNvPr id="10" name="Picture 9">
+            <a:extLst>
+              <a:ext uri="{FF2B5EF4-FFF2-40B4-BE49-F238E27FC236}">
+                <a16:creationId xmlns:a16="http://schemas.microsoft.com/office/drawing/2014/main" id="{6AA77AA9-95D6-4D1B-99B2-D486AF91184B}"/>
               </a:ext>
             </a:extLst>
           </p:cNvPr>
@@ -5732,15 +5593,21 @@
           <p:nvPr/>
         </p:nvPicPr>
         <p:blipFill>
-          <a:blip r:embed="rId2"/>
+          <a:blip r:embed="rId2">
+            <a:extLst>
+              <a:ext uri="{28A0092B-C50C-407E-A947-70E740481C1C}">
+                <a14:useLocalDpi xmlns:a14="http://schemas.microsoft.com/office/drawing/2010/main" val="0"/>
+              </a:ext>
+            </a:extLst>
+          </a:blip>
           <a:stretch>
             <a:fillRect/>
           </a:stretch>
         </p:blipFill>
         <p:spPr>
           <a:xfrm>
-            <a:off x="6313815" y="2057400"/>
-            <a:ext cx="5878185" cy="3971926"/>
+            <a:off x="6829541" y="1178558"/>
+            <a:ext cx="4993642" cy="4993642"/>
           </a:xfrm>
           <a:prstGeom prst="rect">
             <a:avLst/>
@@ -5749,97 +5616,10 @@
       </p:pic>
       <p:sp>
         <p:nvSpPr>
-          <p:cNvPr id="2" name="Title 1">
-            <a:extLst>
-              <a:ext uri="{FF2B5EF4-FFF2-40B4-BE49-F238E27FC236}">
-                <a16:creationId xmlns:a16="http://schemas.microsoft.com/office/drawing/2014/main" id="{F21B3BF7-37CD-49F7-B5A9-BD7A3E1D1F21}"/>
-              </a:ext>
-            </a:extLst>
-          </p:cNvPr>
-          <p:cNvSpPr>
-            <a:spLocks noGrp="1"/>
-          </p:cNvSpPr>
-          <p:nvPr>
-            <p:ph type="title"/>
-          </p:nvPr>
-        </p:nvSpPr>
-        <p:spPr/>
-        <p:txBody>
-          <a:bodyPr/>
-          <a:lstStyle/>
-          <a:p>
-            <a:r>
-              <a:rPr lang="en-US" dirty="0"/>
-              <a:t>Traditional ML + Graph</a:t>
-            </a:r>
-          </a:p>
-        </p:txBody>
-      </p:sp>
-      <p:sp>
-        <p:nvSpPr>
-          <p:cNvPr id="3" name="Content Placeholder 2">
-            <a:extLst>
-              <a:ext uri="{FF2B5EF4-FFF2-40B4-BE49-F238E27FC236}">
-                <a16:creationId xmlns:a16="http://schemas.microsoft.com/office/drawing/2014/main" id="{613BA427-E7E5-4270-B631-B25018A1E4D8}"/>
-              </a:ext>
-            </a:extLst>
-          </p:cNvPr>
-          <p:cNvSpPr>
-            <a:spLocks noGrp="1"/>
-          </p:cNvSpPr>
-          <p:nvPr>
-            <p:ph idx="1"/>
-          </p:nvPr>
-        </p:nvSpPr>
-        <p:spPr>
-          <a:xfrm>
-            <a:off x="1371600" y="2254103"/>
-            <a:ext cx="5810435" cy="3918098"/>
-          </a:xfrm>
-        </p:spPr>
-        <p:txBody>
-          <a:bodyPr/>
-          <a:lstStyle/>
-          <a:p>
-            <a:r>
-              <a:rPr lang="en-US" dirty="0"/>
-              <a:t>Graph can accelerate traditional ML workflows</a:t>
-            </a:r>
-          </a:p>
-          <a:p>
-            <a:r>
-              <a:rPr lang="en-US" dirty="0"/>
-              <a:t>Lack of costly JOINs across tables accelerate development</a:t>
-            </a:r>
-          </a:p>
-          <a:p>
-            <a:r>
-              <a:rPr lang="en-US" dirty="0"/>
-              <a:t>Enrich knowledge graphs using outputs from ML algorithms</a:t>
-            </a:r>
-          </a:p>
-          <a:p>
-            <a:pPr lvl="1"/>
-            <a:r>
-              <a:rPr lang="en-US" dirty="0"/>
-              <a:t>Sentiment Analysis</a:t>
-            </a:r>
-          </a:p>
-          <a:p>
-            <a:pPr lvl="1"/>
-            <a:r>
-              <a:rPr lang="en-US" dirty="0"/>
-              <a:t>Entity Extraction</a:t>
-            </a:r>
-          </a:p>
-        </p:txBody>
-      </p:sp>
-      <p:sp>
-        <p:nvSpPr>
-          <p:cNvPr id="6" name="Footer Placeholder 5">
-            <a:extLst>
-              <a:ext uri="{FF2B5EF4-FFF2-40B4-BE49-F238E27FC236}">
-                <a16:creationId xmlns:a16="http://schemas.microsoft.com/office/drawing/2014/main" id="{BEC040B8-2851-43CC-9C2F-099894AF8C79}"/>
+          <p:cNvPr id="13" name="Footer Placeholder 12">
+            <a:extLst>
+              <a:ext uri="{FF2B5EF4-FFF2-40B4-BE49-F238E27FC236}">
+                <a16:creationId xmlns:a16="http://schemas.microsoft.com/office/drawing/2014/main" id="{C1F5015A-2C82-488D-B4C2-EE19090AE1A7}"/>
               </a:ext>
             </a:extLst>
           </p:cNvPr>
@@ -5865,7 +5645,7 @@
     </p:spTree>
     <p:extLst>
       <p:ext uri="{BB962C8B-B14F-4D97-AF65-F5344CB8AC3E}">
-        <p14:creationId xmlns:p14="http://schemas.microsoft.com/office/powerpoint/2010/main" val="2322615350"/>
+        <p14:creationId xmlns:p14="http://schemas.microsoft.com/office/powerpoint/2010/main" val="3562846514"/>
       </p:ext>
     </p:extLst>
   </p:cSld>
@@ -5897,7 +5677,7 @@
           <p:cNvPr id="5" name="Picture 4">
             <a:extLst>
               <a:ext uri="{FF2B5EF4-FFF2-40B4-BE49-F238E27FC236}">
-                <a16:creationId xmlns:a16="http://schemas.microsoft.com/office/drawing/2014/main" id="{1262C6EB-05E2-463F-95C9-1A962F044A00}"/>
+                <a16:creationId xmlns:a16="http://schemas.microsoft.com/office/drawing/2014/main" id="{64B1D5DF-65EA-41CD-9B5A-36C9062BBBEC}"/>
               </a:ext>
             </a:extLst>
           </p:cNvPr>
@@ -5914,8 +5694,8 @@
         </p:blipFill>
         <p:spPr>
           <a:xfrm>
-            <a:off x="5174121" y="2439666"/>
-            <a:ext cx="7017879" cy="2247104"/>
+            <a:off x="6313815" y="2057400"/>
+            <a:ext cx="5878185" cy="3971926"/>
           </a:xfrm>
           <a:prstGeom prst="rect">
             <a:avLst/>
@@ -5927,7 +5707,7 @@
           <p:cNvPr id="2" name="Title 1">
             <a:extLst>
               <a:ext uri="{FF2B5EF4-FFF2-40B4-BE49-F238E27FC236}">
-                <a16:creationId xmlns:a16="http://schemas.microsoft.com/office/drawing/2014/main" id="{CAC4A96C-A5C9-4E5E-9C8A-AC6A00AD3B6A}"/>
+                <a16:creationId xmlns:a16="http://schemas.microsoft.com/office/drawing/2014/main" id="{F21B3BF7-37CD-49F7-B5A9-BD7A3E1D1F21}"/>
               </a:ext>
             </a:extLst>
           </p:cNvPr>
@@ -5945,7 +5725,7 @@
           <a:p>
             <a:r>
               <a:rPr lang="en-US" dirty="0"/>
-              <a:t>Graph Machine Learning</a:t>
+              <a:t>Traditional ML + Graph</a:t>
             </a:r>
           </a:p>
         </p:txBody>
@@ -5955,7 +5735,7 @@
           <p:cNvPr id="3" name="Content Placeholder 2">
             <a:extLst>
               <a:ext uri="{FF2B5EF4-FFF2-40B4-BE49-F238E27FC236}">
-                <a16:creationId xmlns:a16="http://schemas.microsoft.com/office/drawing/2014/main" id="{5B1B0CF3-7173-452E-A24E-0DC1DA685824}"/>
+                <a16:creationId xmlns:a16="http://schemas.microsoft.com/office/drawing/2014/main" id="{613BA427-E7E5-4270-B631-B25018A1E4D8}"/>
               </a:ext>
             </a:extLst>
           </p:cNvPr>
@@ -5968,150 +5748,53 @@
         </p:nvSpPr>
         <p:spPr>
           <a:xfrm>
-            <a:off x="-1" y="2271857"/>
-            <a:ext cx="5681709" cy="4226597"/>
+            <a:off x="1371600" y="2254103"/>
+            <a:ext cx="5810435" cy="3918098"/>
           </a:xfrm>
         </p:spPr>
         <p:txBody>
-          <a:bodyPr>
-            <a:normAutofit fontScale="85000" lnSpcReduction="10000"/>
-          </a:bodyPr>
-          <a:lstStyle/>
-          <a:p>
-            <a:r>
-              <a:rPr lang="en-US" dirty="0"/>
-              <a:t>Node2Vec</a:t>
+          <a:bodyPr/>
+          <a:lstStyle/>
+          <a:p>
+            <a:r>
+              <a:rPr lang="en-US" dirty="0"/>
+              <a:t>Graph can accelerate traditional ML workflows</a:t>
+            </a:r>
+          </a:p>
+          <a:p>
+            <a:r>
+              <a:rPr lang="en-US" dirty="0"/>
+              <a:t>Lack of costly JOINs across tables accelerate development</a:t>
+            </a:r>
+          </a:p>
+          <a:p>
+            <a:r>
+              <a:rPr lang="en-US" dirty="0"/>
+              <a:t>Enrich knowledge graphs using outputs from ML algorithms</a:t>
             </a:r>
           </a:p>
           <a:p>
             <a:pPr lvl="1"/>
             <a:r>
               <a:rPr lang="en-US" dirty="0"/>
-              <a:t>Creates embeddings based off of random walks</a:t>
+              <a:t>Sentiment Analysis</a:t>
             </a:r>
           </a:p>
           <a:p>
             <a:pPr lvl="1"/>
             <a:r>
               <a:rPr lang="en-US" dirty="0"/>
-              <a:t>Based off of Word2Vec</a:t>
-            </a:r>
-          </a:p>
-          <a:p>
-            <a:r>
-              <a:rPr lang="en-US" dirty="0"/>
-              <a:t>Graph Neural Networks</a:t>
-            </a:r>
-          </a:p>
-          <a:p>
-            <a:pPr lvl="1"/>
-            <a:r>
-              <a:rPr lang="en-US" dirty="0"/>
-              <a:t>Uses “message passing” to generate representations of vertices in graph</a:t>
-            </a:r>
-          </a:p>
-          <a:p>
-            <a:pPr lvl="1"/>
-            <a:r>
-              <a:rPr lang="en-US" dirty="0"/>
-              <a:t>Used for classification and regression tasks</a:t>
-            </a:r>
-          </a:p>
-          <a:p>
-            <a:pPr lvl="1"/>
-            <a:r>
-              <a:rPr lang="en-US" dirty="0"/>
-              <a:t>Graph Convolutional Neural Networks (</a:t>
-            </a:r>
-            <a:r>
-              <a:rPr lang="en-US" dirty="0" err="1"/>
-              <a:t>Kipf</a:t>
-            </a:r>
-            <a:r>
-              <a:rPr lang="en-US" dirty="0"/>
-              <a:t> &amp; Welling, 2017)</a:t>
-            </a:r>
-          </a:p>
-          <a:p>
-            <a:pPr lvl="1"/>
-            <a:r>
-              <a:rPr lang="en-US" dirty="0"/>
-              <a:t>Graph Attention Networks (</a:t>
-            </a:r>
-            <a:r>
-              <a:rPr lang="en-US" dirty="0" err="1"/>
-              <a:t>Veličković</a:t>
-            </a:r>
-            <a:r>
-              <a:rPr lang="en-US" dirty="0"/>
-              <a:t> et al., 2018)</a:t>
-            </a:r>
-          </a:p>
-          <a:p>
-            <a:pPr lvl="1"/>
-            <a:endParaRPr lang="en-US" dirty="0"/>
-          </a:p>
-          <a:p>
-            <a:r>
-              <a:rPr lang="en-US" dirty="0">
-                <a:hlinkClick r:id="rId3"/>
-              </a:rPr>
-              <a:t>https://parkererickson.github.io/graph-ml/papers/</a:t>
-            </a:r>
-            <a:r>
-              <a:rPr lang="en-US" dirty="0"/>
-              <a:t> </a:t>
-            </a:r>
-          </a:p>
-        </p:txBody>
-      </p:sp>
-      <p:sp>
-        <p:nvSpPr>
-          <p:cNvPr id="6" name="TextBox 5">
-            <a:extLst>
-              <a:ext uri="{FF2B5EF4-FFF2-40B4-BE49-F238E27FC236}">
-                <a16:creationId xmlns:a16="http://schemas.microsoft.com/office/drawing/2014/main" id="{29A8B8D1-F8BC-4B56-AD1C-E6CD72E5132F}"/>
-              </a:ext>
-            </a:extLst>
-          </p:cNvPr>
-          <p:cNvSpPr txBox="1"/>
-          <p:nvPr/>
-        </p:nvSpPr>
-        <p:spPr>
-          <a:xfrm>
-            <a:off x="5615221" y="4686770"/>
-            <a:ext cx="6545281" cy="369332"/>
-          </a:xfrm>
-          <a:prstGeom prst="rect">
-            <a:avLst/>
-          </a:prstGeom>
-          <a:noFill/>
-        </p:spPr>
-        <p:txBody>
-          <a:bodyPr wrap="square" rtlCol="0">
-            <a:spAutoFit/>
-          </a:bodyPr>
-          <a:lstStyle/>
-          <a:p>
-            <a:r>
-              <a:rPr lang="en-US" sz="900" dirty="0">
-                <a:hlinkClick r:id="rId4"/>
-              </a:rPr>
-              <a:t>https://app.wandb.ai/yashkotadia/gatedgcn-pattern/reports/Part-1-Introduction-to-Graph-Neural-Networks-with-GatedGCN--VmlldzoyMDg4MjA</a:t>
-            </a:r>
-            <a:r>
-              <a:rPr lang="en-US" sz="900" dirty="0"/>
-              <a:t> </a:t>
-            </a:r>
-          </a:p>
-        </p:txBody>
-      </p:sp>
-      <p:sp>
-        <p:nvSpPr>
-          <p:cNvPr id="7" name="Footer Placeholder 6">
-            <a:extLst>
-              <a:ext uri="{FF2B5EF4-FFF2-40B4-BE49-F238E27FC236}">
-                <a16:creationId xmlns:a16="http://schemas.microsoft.com/office/drawing/2014/main" id="{837794B0-F1E9-418B-AF75-C14C32ED5015}"/>
+              <a:t>Entity Extraction</a:t>
+            </a:r>
+          </a:p>
+        </p:txBody>
+      </p:sp>
+      <p:sp>
+        <p:nvSpPr>
+          <p:cNvPr id="6" name="Footer Placeholder 5">
+            <a:extLst>
+              <a:ext uri="{FF2B5EF4-FFF2-40B4-BE49-F238E27FC236}">
+                <a16:creationId xmlns:a16="http://schemas.microsoft.com/office/drawing/2014/main" id="{BEC040B8-2851-43CC-9C2F-099894AF8C79}"/>
               </a:ext>
             </a:extLst>
           </p:cNvPr>
@@ -6137,7 +5820,7 @@
     </p:spTree>
     <p:extLst>
       <p:ext uri="{BB962C8B-B14F-4D97-AF65-F5344CB8AC3E}">
-        <p14:creationId xmlns:p14="http://schemas.microsoft.com/office/powerpoint/2010/main" val="1452234293"/>
+        <p14:creationId xmlns:p14="http://schemas.microsoft.com/office/powerpoint/2010/main" val="2322615350"/>
       </p:ext>
     </p:extLst>
   </p:cSld>
@@ -6164,104 +5847,12 @@
           <a:chExt cx="0" cy="0"/>
         </a:xfrm>
       </p:grpSpPr>
-      <p:sp>
-        <p:nvSpPr>
-          <p:cNvPr id="2" name="Title 1">
-            <a:extLst>
-              <a:ext uri="{FF2B5EF4-FFF2-40B4-BE49-F238E27FC236}">
-                <a16:creationId xmlns:a16="http://schemas.microsoft.com/office/drawing/2014/main" id="{F7E4D7C2-BFFA-47D6-BD4D-01BF2D1F4681}"/>
-              </a:ext>
-            </a:extLst>
-          </p:cNvPr>
-          <p:cNvSpPr>
-            <a:spLocks noGrp="1"/>
-          </p:cNvSpPr>
-          <p:nvPr>
-            <p:ph type="title"/>
-          </p:nvPr>
-        </p:nvSpPr>
-        <p:spPr/>
-        <p:txBody>
-          <a:bodyPr/>
-          <a:lstStyle/>
-          <a:p>
-            <a:r>
-              <a:rPr lang="en-US" dirty="0"/>
-              <a:t>pyTigerGraph</a:t>
-            </a:r>
-          </a:p>
-        </p:txBody>
-      </p:sp>
-      <p:sp>
-        <p:nvSpPr>
-          <p:cNvPr id="3" name="Content Placeholder 2">
-            <a:extLst>
-              <a:ext uri="{FF2B5EF4-FFF2-40B4-BE49-F238E27FC236}">
-                <a16:creationId xmlns:a16="http://schemas.microsoft.com/office/drawing/2014/main" id="{93F531AD-4823-4292-913F-0E330FB8F99B}"/>
-              </a:ext>
-            </a:extLst>
-          </p:cNvPr>
-          <p:cNvSpPr>
-            <a:spLocks noGrp="1"/>
-          </p:cNvSpPr>
-          <p:nvPr>
-            <p:ph idx="1"/>
-          </p:nvPr>
-        </p:nvSpPr>
-        <p:spPr>
-          <a:xfrm>
-            <a:off x="1371600" y="2254103"/>
-            <a:ext cx="5606250" cy="3918098"/>
-          </a:xfrm>
-        </p:spPr>
-        <p:txBody>
-          <a:bodyPr/>
-          <a:lstStyle/>
-          <a:p>
-            <a:r>
-              <a:rPr lang="en-US" dirty="0"/>
-              <a:t>pyTigerGraph enables data scientists to easily </a:t>
-            </a:r>
-            <a:r>
-              <a:rPr lang="en-US" b="1" dirty="0"/>
-              <a:t>create, load, and analyze graph relationships</a:t>
-            </a:r>
-          </a:p>
-          <a:p>
-            <a:r>
-              <a:rPr lang="en-US" dirty="0"/>
-              <a:t>Opens the door to various graph machine learning algorithms, such as:</a:t>
-            </a:r>
-          </a:p>
-          <a:p>
-            <a:pPr lvl="1"/>
-            <a:r>
-              <a:rPr lang="en-US" dirty="0"/>
-              <a:t>Node2Vec</a:t>
-            </a:r>
-          </a:p>
-          <a:p>
-            <a:pPr lvl="1"/>
-            <a:r>
-              <a:rPr lang="en-US" dirty="0"/>
-              <a:t>Graph Convolutional Neural Networks</a:t>
-            </a:r>
-          </a:p>
-          <a:p>
-            <a:pPr lvl="1"/>
-            <a:r>
-              <a:rPr lang="en-US" dirty="0"/>
-              <a:t>Graph Attention Networks</a:t>
-            </a:r>
-          </a:p>
-        </p:txBody>
-      </p:sp>
       <p:pic>
         <p:nvPicPr>
-          <p:cNvPr id="10" name="Picture 9">
-            <a:extLst>
-              <a:ext uri="{FF2B5EF4-FFF2-40B4-BE49-F238E27FC236}">
-                <a16:creationId xmlns:a16="http://schemas.microsoft.com/office/drawing/2014/main" id="{6AA77AA9-95D6-4D1B-99B2-D486AF91184B}"/>
+          <p:cNvPr id="5" name="Picture 4">
+            <a:extLst>
+              <a:ext uri="{FF2B5EF4-FFF2-40B4-BE49-F238E27FC236}">
+                <a16:creationId xmlns:a16="http://schemas.microsoft.com/office/drawing/2014/main" id="{1262C6EB-05E2-463F-95C9-1A962F044A00}"/>
               </a:ext>
             </a:extLst>
           </p:cNvPr>
@@ -6271,21 +5862,15 @@
           <p:nvPr/>
         </p:nvPicPr>
         <p:blipFill>
-          <a:blip r:embed="rId2">
-            <a:extLst>
-              <a:ext uri="{28A0092B-C50C-407E-A947-70E740481C1C}">
-                <a14:useLocalDpi xmlns:a14="http://schemas.microsoft.com/office/drawing/2010/main" val="0"/>
-              </a:ext>
-            </a:extLst>
-          </a:blip>
+          <a:blip r:embed="rId2"/>
           <a:stretch>
             <a:fillRect/>
           </a:stretch>
         </p:blipFill>
         <p:spPr>
           <a:xfrm>
-            <a:off x="6829541" y="1178558"/>
-            <a:ext cx="4993642" cy="4993642"/>
+            <a:off x="5632716" y="2025779"/>
+            <a:ext cx="6576779" cy="2247104"/>
           </a:xfrm>
           <a:prstGeom prst="rect">
             <a:avLst/>
@@ -6294,10 +5879,195 @@
       </p:pic>
       <p:sp>
         <p:nvSpPr>
-          <p:cNvPr id="13" name="Footer Placeholder 12">
-            <a:extLst>
-              <a:ext uri="{FF2B5EF4-FFF2-40B4-BE49-F238E27FC236}">
-                <a16:creationId xmlns:a16="http://schemas.microsoft.com/office/drawing/2014/main" id="{C1F5015A-2C82-488D-B4C2-EE19090AE1A7}"/>
+          <p:cNvPr id="2" name="Title 1">
+            <a:extLst>
+              <a:ext uri="{FF2B5EF4-FFF2-40B4-BE49-F238E27FC236}">
+                <a16:creationId xmlns:a16="http://schemas.microsoft.com/office/drawing/2014/main" id="{CAC4A96C-A5C9-4E5E-9C8A-AC6A00AD3B6A}"/>
+              </a:ext>
+            </a:extLst>
+          </p:cNvPr>
+          <p:cNvSpPr>
+            <a:spLocks noGrp="1"/>
+          </p:cNvSpPr>
+          <p:nvPr>
+            <p:ph type="title"/>
+          </p:nvPr>
+        </p:nvSpPr>
+        <p:spPr>
+          <a:xfrm>
+            <a:off x="1352550" y="98424"/>
+            <a:ext cx="9486900" cy="1371600"/>
+          </a:xfrm>
+        </p:spPr>
+        <p:txBody>
+          <a:bodyPr/>
+          <a:lstStyle/>
+          <a:p>
+            <a:r>
+              <a:rPr lang="en-US" dirty="0"/>
+              <a:t>Graph Machine Learning</a:t>
+            </a:r>
+          </a:p>
+        </p:txBody>
+      </p:sp>
+      <p:sp>
+        <p:nvSpPr>
+          <p:cNvPr id="3" name="Content Placeholder 2">
+            <a:extLst>
+              <a:ext uri="{FF2B5EF4-FFF2-40B4-BE49-F238E27FC236}">
+                <a16:creationId xmlns:a16="http://schemas.microsoft.com/office/drawing/2014/main" id="{5B1B0CF3-7173-452E-A24E-0DC1DA685824}"/>
+              </a:ext>
+            </a:extLst>
+          </p:cNvPr>
+          <p:cNvSpPr>
+            <a:spLocks noGrp="1"/>
+          </p:cNvSpPr>
+          <p:nvPr>
+            <p:ph idx="1"/>
+          </p:nvPr>
+        </p:nvSpPr>
+        <p:spPr>
+          <a:xfrm>
+            <a:off x="-1" y="1470025"/>
+            <a:ext cx="5681709" cy="5028430"/>
+          </a:xfrm>
+        </p:spPr>
+        <p:txBody>
+          <a:bodyPr>
+            <a:normAutofit lnSpcReduction="10000"/>
+          </a:bodyPr>
+          <a:lstStyle/>
+          <a:p>
+            <a:r>
+              <a:rPr lang="en-US" dirty="0"/>
+              <a:t>Node2Vec</a:t>
+            </a:r>
+          </a:p>
+          <a:p>
+            <a:pPr lvl="1"/>
+            <a:r>
+              <a:rPr lang="en-US" dirty="0"/>
+              <a:t>Creates embeddings based off of random walks</a:t>
+            </a:r>
+          </a:p>
+          <a:p>
+            <a:pPr lvl="1"/>
+            <a:r>
+              <a:rPr lang="en-US" dirty="0"/>
+              <a:t>Based off of Word2Vec</a:t>
+            </a:r>
+          </a:p>
+          <a:p>
+            <a:r>
+              <a:rPr lang="en-US" dirty="0"/>
+              <a:t>Graph Neural Networks</a:t>
+            </a:r>
+          </a:p>
+          <a:p>
+            <a:pPr lvl="1"/>
+            <a:r>
+              <a:rPr lang="en-US" dirty="0"/>
+              <a:t>Uses “message passing” to generate representations of vertices in graph</a:t>
+            </a:r>
+          </a:p>
+          <a:p>
+            <a:pPr lvl="1"/>
+            <a:r>
+              <a:rPr lang="en-US" dirty="0"/>
+              <a:t>Used for classification and regression tasks</a:t>
+            </a:r>
+          </a:p>
+          <a:p>
+            <a:pPr lvl="1"/>
+            <a:r>
+              <a:rPr lang="en-US" dirty="0"/>
+              <a:t>Graph Convolutional Neural Networks (</a:t>
+            </a:r>
+            <a:r>
+              <a:rPr lang="en-US" dirty="0" err="1"/>
+              <a:t>Kipf</a:t>
+            </a:r>
+            <a:r>
+              <a:rPr lang="en-US" dirty="0"/>
+              <a:t> &amp; Welling, 2017)</a:t>
+            </a:r>
+          </a:p>
+          <a:p>
+            <a:pPr lvl="1"/>
+            <a:r>
+              <a:rPr lang="en-US" dirty="0"/>
+              <a:t>Graph Attention Networks (</a:t>
+            </a:r>
+            <a:r>
+              <a:rPr lang="en-US" dirty="0" err="1"/>
+              <a:t>Veličković</a:t>
+            </a:r>
+            <a:r>
+              <a:rPr lang="en-US" dirty="0"/>
+              <a:t> et al., 2018)</a:t>
+            </a:r>
+          </a:p>
+          <a:p>
+            <a:r>
+              <a:rPr lang="en-US" dirty="0">
+                <a:hlinkClick r:id="rId3"/>
+              </a:rPr>
+              <a:t>https://parkererickson.github.io/graph-ml/papers/</a:t>
+            </a:r>
+            <a:r>
+              <a:rPr lang="en-US" dirty="0"/>
+              <a:t> </a:t>
+            </a:r>
+          </a:p>
+        </p:txBody>
+      </p:sp>
+      <p:sp>
+        <p:nvSpPr>
+          <p:cNvPr id="6" name="TextBox 5">
+            <a:extLst>
+              <a:ext uri="{FF2B5EF4-FFF2-40B4-BE49-F238E27FC236}">
+                <a16:creationId xmlns:a16="http://schemas.microsoft.com/office/drawing/2014/main" id="{29A8B8D1-F8BC-4B56-AD1C-E6CD72E5132F}"/>
+              </a:ext>
+            </a:extLst>
+          </p:cNvPr>
+          <p:cNvSpPr txBox="1"/>
+          <p:nvPr/>
+        </p:nvSpPr>
+        <p:spPr>
+          <a:xfrm>
+            <a:off x="5865478" y="4272883"/>
+            <a:ext cx="6545281" cy="369332"/>
+          </a:xfrm>
+          <a:prstGeom prst="rect">
+            <a:avLst/>
+          </a:prstGeom>
+          <a:noFill/>
+        </p:spPr>
+        <p:txBody>
+          <a:bodyPr wrap="square" rtlCol="0">
+            <a:spAutoFit/>
+          </a:bodyPr>
+          <a:lstStyle/>
+          <a:p>
+            <a:r>
+              <a:rPr lang="en-US" sz="900" dirty="0">
+                <a:hlinkClick r:id="rId4"/>
+              </a:rPr>
+              <a:t>https://app.wandb.ai/yashkotadia/gatedgcn-pattern/reports/Part-1-Introduction-to-Graph-Neural-Networks-with-GatedGCN--VmlldzoyMDg4MjA</a:t>
+            </a:r>
+            <a:r>
+              <a:rPr lang="en-US" sz="900" dirty="0"/>
+              <a:t> </a:t>
+            </a:r>
+          </a:p>
+        </p:txBody>
+      </p:sp>
+      <p:sp>
+        <p:nvSpPr>
+          <p:cNvPr id="7" name="Footer Placeholder 6">
+            <a:extLst>
+              <a:ext uri="{FF2B5EF4-FFF2-40B4-BE49-F238E27FC236}">
+                <a16:creationId xmlns:a16="http://schemas.microsoft.com/office/drawing/2014/main" id="{837794B0-F1E9-418B-AF75-C14C32ED5015}"/>
               </a:ext>
             </a:extLst>
           </p:cNvPr>
@@ -6323,7 +6093,7 @@
     </p:spTree>
     <p:extLst>
       <p:ext uri="{BB962C8B-B14F-4D97-AF65-F5344CB8AC3E}">
-        <p14:creationId xmlns:p14="http://schemas.microsoft.com/office/powerpoint/2010/main" val="3562846514"/>
+        <p14:creationId xmlns:p14="http://schemas.microsoft.com/office/powerpoint/2010/main" val="1452234293"/>
       </p:ext>
     </p:extLst>
   </p:cSld>
@@ -6366,7 +6136,12 @@
             <p:ph type="title"/>
           </p:nvPr>
         </p:nvSpPr>
-        <p:spPr/>
+        <p:spPr>
+          <a:xfrm>
+            <a:off x="1352550" y="98423"/>
+            <a:ext cx="9486900" cy="695357"/>
+          </a:xfrm>
+        </p:spPr>
         <p:txBody>
           <a:bodyPr/>
           <a:lstStyle/>
@@ -6394,13 +6169,13 @@
         </p:nvPicPr>
         <p:blipFill rotWithShape="1">
           <a:blip r:embed="rId2"/>
-          <a:srcRect t="8156" b="4854"/>
+          <a:srcRect l="30079" t="21813" r="6605" b="6289"/>
           <a:stretch/>
         </p:blipFill>
         <p:spPr>
           <a:xfrm>
-            <a:off x="1650684" y="2057400"/>
-            <a:ext cx="8890632" cy="4350368"/>
+            <a:off x="1751797" y="937380"/>
+            <a:ext cx="9269129" cy="5920620"/>
           </a:xfrm>
           <a:prstGeom prst="rect">
             <a:avLst/>
